--- a/Connecteam BOM Assignment/Connecteam Assignment.pptx
+++ b/Connecteam BOM Assignment/Connecteam Assignment.pptx
@@ -7141,6 +7141,57 @@
           </a:prstGeom>
         </p:spPr>
       </p:pic>
+      <p:sp>
+        <p:nvSpPr>
+          <p:cNvPr id="10" name="TextBox 9">
+            <a:extLst>
+              <a:ext uri="{FF2B5EF4-FFF2-40B4-BE49-F238E27FC236}">
+                <a16:creationId xmlns:a16="http://schemas.microsoft.com/office/drawing/2014/main" id="{0D87C0C0-E4F5-6D9E-4676-9541C3306C7A}"/>
+              </a:ext>
+            </a:extLst>
+          </p:cNvPr>
+          <p:cNvSpPr txBox="1"/>
+          <p:nvPr/>
+        </p:nvSpPr>
+        <p:spPr>
+          <a:xfrm>
+            <a:off x="2329541" y="6396497"/>
+            <a:ext cx="595997" cy="276999"/>
+          </a:xfrm>
+          <a:prstGeom prst="rect">
+            <a:avLst/>
+          </a:prstGeom>
+          <a:noFill/>
+        </p:spPr>
+        <p:txBody>
+          <a:bodyPr wrap="none" rtlCol="0">
+            <a:spAutoFit/>
+          </a:bodyPr>
+          <a:lstStyle/>
+          <a:p>
+            <a:r>
+              <a:rPr lang="en-US" sz="1200" spc="-30" dirty="0">
+                <a:solidFill>
+                  <a:srgbClr val="002060"/>
+                </a:solidFill>
+                <a:hlinkClick r:id="rId3">
+                  <a:extLst>
+                    <a:ext uri="{A12FA001-AC4F-418D-AE19-62706E023703}">
+                      <ahyp:hlinkClr xmlns:ahyp="http://schemas.microsoft.com/office/drawing/2018/hyperlinkcolor" val="tx"/>
+                    </a:ext>
+                  </a:extLst>
+                </a:hlinkClick>
+              </a:rPr>
+              <a:t>Github</a:t>
+            </a:r>
+            <a:endParaRPr lang="en-US" sz="1200" spc="-30" dirty="0">
+              <a:solidFill>
+                <a:srgbClr val="002060"/>
+              </a:solidFill>
+            </a:endParaRPr>
+          </a:p>
+        </p:txBody>
+      </p:sp>
     </p:spTree>
     <p:extLst>
       <p:ext uri="{BB962C8B-B14F-4D97-AF65-F5344CB8AC3E}">
@@ -7320,8 +7371,8 @@
         </p:nvSpPr>
         <p:spPr>
           <a:xfrm>
-            <a:off x="7670749" y="4492502"/>
-            <a:ext cx="3759251" cy="1171076"/>
+            <a:off x="4042612" y="4492502"/>
+            <a:ext cx="7387390" cy="837138"/>
           </a:xfrm>
           <a:prstGeom prst="rect">
             <a:avLst/>
@@ -7518,10 +7569,16 @@
               <a:buNone/>
             </a:pPr>
             <a:r>
+              <a:rPr lang="en-GB" sz="1550" dirty="0" err="1">
+                <a:latin typeface="Montserrat" pitchFamily="2" charset="77"/>
+              </a:rPr>
+              <a:t>Hubspot</a:t>
+            </a:r>
+            <a:r>
               <a:rPr lang="en-GB" sz="1550" dirty="0">
                 <a:latin typeface="Montserrat" pitchFamily="2" charset="77"/>
               </a:rPr>
-              <a:t>Start pilot programs for targeted campaigns and delivery adjustments.</a:t>
+              <a:t> Free limited my ability to create reports and dashboards.</a:t>
             </a:r>
           </a:p>
           <a:p>
@@ -7542,7 +7599,29 @@
               <a:rPr lang="en-GB" sz="1550" dirty="0">
                 <a:latin typeface="Montserrat" pitchFamily="2" charset="77"/>
               </a:rPr>
-              <a:t>Monitor KPIs to evaluate success.</a:t>
+              <a:t>I built the reports and DB in </a:t>
+            </a:r>
+            <a:r>
+              <a:rPr lang="en-GB" sz="1550" dirty="0">
+                <a:solidFill>
+                  <a:srgbClr val="1D135D"/>
+                </a:solidFill>
+                <a:latin typeface="Montserrat" pitchFamily="2" charset="77"/>
+                <a:hlinkClick r:id="rId4">
+                  <a:extLst>
+                    <a:ext uri="{A12FA001-AC4F-418D-AE19-62706E023703}">
+                      <ahyp:hlinkClr xmlns:ahyp="http://schemas.microsoft.com/office/drawing/2018/hyperlinkcolor" val="tx"/>
+                    </a:ext>
+                  </a:extLst>
+                </a:hlinkClick>
+              </a:rPr>
+              <a:t>tableau</a:t>
+            </a:r>
+            <a:r>
+              <a:rPr lang="en-GB" sz="1550" dirty="0">
+                <a:latin typeface="Montserrat" pitchFamily="2" charset="77"/>
+              </a:rPr>
+              <a:t> instead.</a:t>
             </a:r>
           </a:p>
         </p:txBody>
@@ -8252,8 +8331,8 @@
         </p:nvSpPr>
         <p:spPr>
           <a:xfrm>
-            <a:off x="6096000" y="1600028"/>
-            <a:ext cx="5323115" cy="503201"/>
+            <a:off x="6096000" y="1366152"/>
+            <a:ext cx="5323115" cy="1007954"/>
           </a:xfrm>
           <a:prstGeom prst="rect">
             <a:avLst/>
@@ -8393,21 +8472,69 @@
             </a:lvl9pPr>
           </a:lstStyle>
           <a:p>
-            <a:pPr fontAlgn="base">
-              <a:lnSpc>
-                <a:spcPct val="140000"/>
-              </a:lnSpc>
+            <a:pPr marL="228600" fontAlgn="base">
+              <a:spcBef>
+                <a:spcPts val="600"/>
+              </a:spcBef>
               <a:spcAft>
                 <a:spcPts val="600"/>
               </a:spcAft>
             </a:pPr>
             <a:r>
-              <a:rPr lang="en-GB" sz="1550" dirty="0">
+              <a:rPr lang="en-GB" sz="1100" b="1" dirty="0">
                 <a:solidFill>
                   <a:schemeClr val="bg1"/>
                 </a:solidFill>
               </a:rPr>
-              <a:t>Understand and cater to distinct customer segments.</a:t>
+              <a:t>Optimize Conversion Stages: </a:t>
+            </a:r>
+            <a:r>
+              <a:rPr lang="en-GB" sz="1100" dirty="0">
+                <a:solidFill>
+                  <a:schemeClr val="bg1"/>
+                </a:solidFill>
+              </a:rPr>
+              <a:t>Enhance</a:t>
+            </a:r>
+            <a:r>
+              <a:rPr lang="en-GB" sz="1100" b="1" dirty="0">
+                <a:solidFill>
+                  <a:schemeClr val="bg1"/>
+                </a:solidFill>
+              </a:rPr>
+              <a:t> MQL → Demo and Demo → Paid </a:t>
+            </a:r>
+            <a:r>
+              <a:rPr lang="en-GB" sz="1100" dirty="0">
+                <a:solidFill>
+                  <a:schemeClr val="bg1"/>
+                </a:solidFill>
+              </a:rPr>
+              <a:t>processes </a:t>
+            </a:r>
+            <a:r>
+              <a:rPr lang="en-GB" sz="1100" b="1" dirty="0">
+                <a:solidFill>
+                  <a:schemeClr val="bg1"/>
+                </a:solidFill>
+              </a:rPr>
+              <a:t>(enablement, infrastructure, SLA</a:t>
+            </a:r>
+            <a:r>
+              <a:rPr lang="en-GB" sz="1100" dirty="0">
+                <a:solidFill>
+                  <a:schemeClr val="bg1"/>
+                </a:solidFill>
+              </a:rPr>
+              <a:t>) to improve conversion time by </a:t>
+            </a:r>
+            <a:r>
+              <a:rPr lang="en-GB" sz="1100" b="1" dirty="0">
+                <a:solidFill>
+                  <a:schemeClr val="bg1"/>
+                </a:solidFill>
+              </a:rPr>
+              <a:t>10-15%.</a:t>
             </a:r>
           </a:p>
         </p:txBody>
@@ -8427,7 +8554,7 @@
         <p:spPr>
           <a:xfrm>
             <a:off x="6106886" y="3180931"/>
-            <a:ext cx="5323115" cy="961788"/>
+            <a:ext cx="5323115" cy="754038"/>
           </a:xfrm>
           <a:prstGeom prst="rect">
             <a:avLst/>
@@ -8574,16 +8701,38 @@
               <a:spcAft>
                 <a:spcPts val="600"/>
               </a:spcAft>
-              <a:buFont typeface="Arial" panose="020B0604020202020204" pitchFamily="34" charset="0"/>
-              <a:buChar char="•"/>
             </a:pPr>
             <a:r>
-              <a:rPr lang="en-GB" sz="1550" dirty="0">
+              <a:rPr lang="en-GB" sz="1100" b="1" dirty="0">
                 <a:solidFill>
                   <a:schemeClr val="bg1"/>
                 </a:solidFill>
               </a:rPr>
-              <a:t>Strengthen fraud detection while ensuring minimal false positives.</a:t>
+              <a:t>Refine Forecasting &amp; ROI</a:t>
+            </a:r>
+            <a:r>
+              <a:rPr lang="en-GB" sz="1100" dirty="0">
+                <a:solidFill>
+                  <a:schemeClr val="bg1"/>
+                </a:solidFill>
+              </a:rPr>
+              <a:t>: Collect data on </a:t>
+            </a:r>
+            <a:r>
+              <a:rPr lang="en-GB" sz="1100" b="1" dirty="0">
+                <a:solidFill>
+                  <a:schemeClr val="bg1"/>
+                </a:solidFill>
+              </a:rPr>
+              <a:t>closed-won vs. churn </a:t>
+            </a:r>
+            <a:r>
+              <a:rPr lang="en-GB" sz="1100" dirty="0">
+                <a:solidFill>
+                  <a:schemeClr val="bg1"/>
+                </a:solidFill>
+              </a:rPr>
+              <a:t>and marketing attribution for better insights.</a:t>
             </a:r>
           </a:p>
         </p:txBody>
@@ -8603,7 +8752,7 @@
         <p:spPr>
           <a:xfrm>
             <a:off x="6106886" y="4923345"/>
-            <a:ext cx="5323115" cy="961788"/>
+            <a:ext cx="5323115" cy="754038"/>
           </a:xfrm>
           <a:prstGeom prst="rect">
             <a:avLst/>
@@ -8750,16 +8899,22 @@
               <a:spcAft>
                 <a:spcPts val="600"/>
               </a:spcAft>
-              <a:buFont typeface="Arial" panose="020B0604020202020204" pitchFamily="34" charset="0"/>
-              <a:buChar char="•"/>
             </a:pPr>
             <a:r>
-              <a:rPr lang="en-GB" sz="1550" dirty="0">
+              <a:rPr lang="en-GB" sz="1100" b="1" dirty="0">
                 <a:solidFill>
                   <a:schemeClr val="bg1"/>
                 </a:solidFill>
               </a:rPr>
-              <a:t>Optimize delivery for high-priority orders to boost satisfaction.</a:t>
+              <a:t>Sales Performance Analysis</a:t>
+            </a:r>
+            <a:r>
+              <a:rPr lang="en-GB" sz="1100" dirty="0">
+                <a:solidFill>
+                  <a:schemeClr val="bg1"/>
+                </a:solidFill>
+              </a:rPr>
+              <a:t>: Assess rep performance and identify training needs based on conversion data.</a:t>
             </a:r>
           </a:p>
         </p:txBody>
@@ -8780,8 +8935,8 @@
         </p:nvSpPr>
         <p:spPr>
           <a:xfrm>
-            <a:off x="-297424" y="1366152"/>
-            <a:ext cx="4113607" cy="2108269"/>
+            <a:off x="-356119" y="2803897"/>
+            <a:ext cx="4113607" cy="754053"/>
           </a:xfrm>
           <a:prstGeom prst="rect">
             <a:avLst/>
@@ -8820,39 +8975,7 @@
                 </a:solidFill>
                 <a:sym typeface="Passion One"/>
               </a:rPr>
-              <a:t>Conclusion</a:t>
-            </a:r>
-          </a:p>
-          <a:p>
-            <a:pPr>
-              <a:lnSpc>
-                <a:spcPct val="110000"/>
-              </a:lnSpc>
-            </a:pPr>
-            <a:r>
-              <a:rPr lang="en-US" sz="4000" dirty="0">
-                <a:solidFill>
-                  <a:schemeClr val="bg1"/>
-                </a:solidFill>
-                <a:sym typeface="Passion One"/>
-              </a:rPr>
-              <a:t>&amp; </a:t>
-            </a:r>
-          </a:p>
-          <a:p>
-            <a:pPr>
-              <a:lnSpc>
-                <a:spcPct val="110000"/>
-              </a:lnSpc>
-            </a:pPr>
-            <a:r>
-              <a:rPr lang="en-US" sz="4000" dirty="0">
-                <a:solidFill>
-                  <a:schemeClr val="bg1"/>
-                </a:solidFill>
-                <a:sym typeface="Passion One"/>
-              </a:rPr>
-              <a:t> Next Steps</a:t>
+              <a:t>Next Steps</a:t>
             </a:r>
           </a:p>
         </p:txBody>
@@ -9631,6 +9754,57 @@
               </a:rPr>
               <a:t>February, 2025</a:t>
             </a:r>
+          </a:p>
+        </p:txBody>
+      </p:sp>
+      <p:sp>
+        <p:nvSpPr>
+          <p:cNvPr id="3" name="TextBox 2">
+            <a:extLst>
+              <a:ext uri="{FF2B5EF4-FFF2-40B4-BE49-F238E27FC236}">
+                <a16:creationId xmlns:a16="http://schemas.microsoft.com/office/drawing/2014/main" id="{687A68F8-0554-059A-ECE9-1FCDCE885C2C}"/>
+              </a:ext>
+            </a:extLst>
+          </p:cNvPr>
+          <p:cNvSpPr txBox="1"/>
+          <p:nvPr/>
+        </p:nvSpPr>
+        <p:spPr>
+          <a:xfrm>
+            <a:off x="129164" y="6366425"/>
+            <a:ext cx="595997" cy="276999"/>
+          </a:xfrm>
+          <a:prstGeom prst="rect">
+            <a:avLst/>
+          </a:prstGeom>
+          <a:noFill/>
+        </p:spPr>
+        <p:txBody>
+          <a:bodyPr wrap="none" rtlCol="0">
+            <a:spAutoFit/>
+          </a:bodyPr>
+          <a:lstStyle/>
+          <a:p>
+            <a:r>
+              <a:rPr lang="en-US" sz="1200" spc="-30" dirty="0">
+                <a:solidFill>
+                  <a:srgbClr val="002060"/>
+                </a:solidFill>
+                <a:hlinkClick r:id="rId3">
+                  <a:extLst>
+                    <a:ext uri="{A12FA001-AC4F-418D-AE19-62706E023703}">
+                      <ahyp:hlinkClr xmlns:ahyp="http://schemas.microsoft.com/office/drawing/2018/hyperlinkcolor" val="tx"/>
+                    </a:ext>
+                  </a:extLst>
+                </a:hlinkClick>
+              </a:rPr>
+              <a:t>Github</a:t>
+            </a:r>
+            <a:endParaRPr lang="en-US" sz="1200" spc="-30" dirty="0">
+              <a:solidFill>
+                <a:srgbClr val="002060"/>
+              </a:solidFill>
+            </a:endParaRPr>
           </a:p>
         </p:txBody>
       </p:sp>
@@ -14964,8 +15138,8 @@
         </p:nvSpPr>
         <p:spPr>
           <a:xfrm>
-            <a:off x="10364436" y="2112583"/>
-            <a:ext cx="1165459" cy="276999"/>
+            <a:off x="8554246" y="2101144"/>
+            <a:ext cx="1065564" cy="276999"/>
           </a:xfrm>
           <a:prstGeom prst="rect">
             <a:avLst/>
@@ -15015,7 +15189,7 @@
         </p:nvSpPr>
         <p:spPr>
           <a:xfrm>
-            <a:off x="8129377" y="2087958"/>
+            <a:off x="7213864" y="2093720"/>
             <a:ext cx="1322559" cy="276999"/>
           </a:xfrm>
           <a:prstGeom prst="rect">
@@ -15392,6 +15566,57 @@
               </a:rPr>
               <a:t>February, 2025</a:t>
             </a:r>
+          </a:p>
+        </p:txBody>
+      </p:sp>
+      <p:sp>
+        <p:nvSpPr>
+          <p:cNvPr id="2" name="TextBox 1">
+            <a:extLst>
+              <a:ext uri="{FF2B5EF4-FFF2-40B4-BE49-F238E27FC236}">
+                <a16:creationId xmlns:a16="http://schemas.microsoft.com/office/drawing/2014/main" id="{62103658-4114-D500-A04C-AFF247506C80}"/>
+              </a:ext>
+            </a:extLst>
+          </p:cNvPr>
+          <p:cNvSpPr txBox="1"/>
+          <p:nvPr/>
+        </p:nvSpPr>
+        <p:spPr>
+          <a:xfrm>
+            <a:off x="9619810" y="2122871"/>
+            <a:ext cx="595997" cy="276999"/>
+          </a:xfrm>
+          <a:prstGeom prst="rect">
+            <a:avLst/>
+          </a:prstGeom>
+          <a:noFill/>
+        </p:spPr>
+        <p:txBody>
+          <a:bodyPr wrap="none" rtlCol="0">
+            <a:spAutoFit/>
+          </a:bodyPr>
+          <a:lstStyle/>
+          <a:p>
+            <a:r>
+              <a:rPr lang="en-US" sz="1200" spc="-30" dirty="0">
+                <a:solidFill>
+                  <a:srgbClr val="002060"/>
+                </a:solidFill>
+                <a:hlinkClick r:id="rId8">
+                  <a:extLst>
+                    <a:ext uri="{A12FA001-AC4F-418D-AE19-62706E023703}">
+                      <ahyp:hlinkClr xmlns:ahyp="http://schemas.microsoft.com/office/drawing/2018/hyperlinkcolor" val="tx"/>
+                    </a:ext>
+                  </a:extLst>
+                </a:hlinkClick>
+              </a:rPr>
+              <a:t>Github</a:t>
+            </a:r>
+            <a:endParaRPr lang="en-US" sz="1200" spc="-30" dirty="0">
+              <a:solidFill>
+                <a:srgbClr val="002060"/>
+              </a:solidFill>
+            </a:endParaRPr>
           </a:p>
         </p:txBody>
       </p:sp>
